--- a/content/post/teaching/Week1.pptx
+++ b/content/post/teaching/Week1.pptx
@@ -11,10 +11,10 @@
     <p:sldId id="258" r:id="rId5"/>
     <p:sldId id="262" r:id="rId6"/>
     <p:sldId id="261" r:id="rId7"/>
-    <p:sldId id="269" r:id="rId8"/>
-    <p:sldId id="270" r:id="rId9"/>
-    <p:sldId id="268" r:id="rId10"/>
-    <p:sldId id="265" r:id="rId11"/>
+    <p:sldId id="268" r:id="rId8"/>
+    <p:sldId id="265" r:id="rId9"/>
+    <p:sldId id="269" r:id="rId10"/>
+    <p:sldId id="270" r:id="rId11"/>
     <p:sldId id="259" r:id="rId12"/>
     <p:sldId id="266" r:id="rId13"/>
     <p:sldId id="272" r:id="rId14"/>
@@ -132,7 +132,7 @@
 <file path=ppt/revisionInfo.xml><?xml version="1.0" encoding="utf-8"?>
 <p1510:revInfo xmlns:a="http://schemas.openxmlformats.org/drawingml/2006/main" xmlns:r="http://schemas.openxmlformats.org/officeDocument/2006/relationships" xmlns:p1510="http://schemas.microsoft.com/office/powerpoint/2015/10/main">
   <p1510:revLst>
-    <p1510:client id="{58722717-CA90-2D43-9094-74508B9C7CC6}" v="127" dt="2023-03-22T10:56:51.232"/>
+    <p1510:client id="{58722717-CA90-2D43-9094-74508B9C7CC6}" v="1" dt="2023-03-29T08:29:21.918"/>
   </p1510:revLst>
 </p1510:revInfo>
 </file>
@@ -142,7 +142,7 @@
   <pc:docChgLst>
     <pc:chgData name="Simon Mitchell" userId="ccf6019c-927f-4068-bc63-8cf034289409" providerId="ADAL" clId="{58722717-CA90-2D43-9094-74508B9C7CC6}"/>
     <pc:docChg chg="undo custSel addSld delSld modSld sldOrd">
-      <pc:chgData name="Simon Mitchell" userId="ccf6019c-927f-4068-bc63-8cf034289409" providerId="ADAL" clId="{58722717-CA90-2D43-9094-74508B9C7CC6}" dt="2023-03-22T11:20:29.205" v="1559" actId="478"/>
+      <pc:chgData name="Simon Mitchell" userId="ccf6019c-927f-4068-bc63-8cf034289409" providerId="ADAL" clId="{58722717-CA90-2D43-9094-74508B9C7CC6}" dt="2023-03-29T08:29:21.919" v="1560" actId="313"/>
       <pc:docMkLst>
         <pc:docMk/>
       </pc:docMkLst>
@@ -325,7 +325,7 @@
         </pc:picChg>
       </pc:sldChg>
       <pc:sldChg chg="addSp delSp modSp new mod modAnim">
-        <pc:chgData name="Simon Mitchell" userId="ccf6019c-927f-4068-bc63-8cf034289409" providerId="ADAL" clId="{58722717-CA90-2D43-9094-74508B9C7CC6}" dt="2023-03-22T10:30:44.060" v="1028"/>
+        <pc:chgData name="Simon Mitchell" userId="ccf6019c-927f-4068-bc63-8cf034289409" providerId="ADAL" clId="{58722717-CA90-2D43-9094-74508B9C7CC6}" dt="2023-03-29T08:29:21.919" v="1560" actId="313"/>
         <pc:sldMkLst>
           <pc:docMk/>
           <pc:sldMk cId="2247597629" sldId="276"/>
@@ -443,7 +443,7 @@
           </ac:spMkLst>
         </pc:spChg>
         <pc:spChg chg="add mod">
-          <ac:chgData name="Simon Mitchell" userId="ccf6019c-927f-4068-bc63-8cf034289409" providerId="ADAL" clId="{58722717-CA90-2D43-9094-74508B9C7CC6}" dt="2023-03-22T10:09:38.763" v="836" actId="1076"/>
+          <ac:chgData name="Simon Mitchell" userId="ccf6019c-927f-4068-bc63-8cf034289409" providerId="ADAL" clId="{58722717-CA90-2D43-9094-74508B9C7CC6}" dt="2023-03-29T08:29:21.919" v="1560" actId="313"/>
           <ac:spMkLst>
             <pc:docMk/>
             <pc:sldMk cId="2247597629" sldId="276"/>
@@ -1227,6 +1227,74 @@
             <pc:docMk/>
             <pc:sldMk cId="90160218" sldId="279"/>
             <ac:spMk id="3" creationId="{39D24C0C-BA66-A9F8-5756-A3E060CC7F1B}"/>
+          </ac:spMkLst>
+        </pc:spChg>
+      </pc:sldChg>
+    </pc:docChg>
+  </pc:docChgLst>
+  <pc:docChgLst>
+    <pc:chgData name="Simon Mitchell" userId="ccf6019c-927f-4068-bc63-8cf034289409" providerId="ADAL" clId="{39F00CB8-4F76-6D48-A718-B536F34EEAC0}"/>
+    <pc:docChg chg="custSel modSld sldOrd">
+      <pc:chgData name="Simon Mitchell" userId="ccf6019c-927f-4068-bc63-8cf034289409" providerId="ADAL" clId="{39F00CB8-4F76-6D48-A718-B536F34EEAC0}" dt="2023-03-29T08:16:00.545" v="37" actId="20577"/>
+      <pc:docMkLst>
+        <pc:docMk/>
+      </pc:docMkLst>
+      <pc:sldChg chg="ord">
+        <pc:chgData name="Simon Mitchell" userId="ccf6019c-927f-4068-bc63-8cf034289409" providerId="ADAL" clId="{39F00CB8-4F76-6D48-A718-B536F34EEAC0}" dt="2023-03-29T08:14:46.863" v="0" actId="20578"/>
+        <pc:sldMkLst>
+          <pc:docMk/>
+          <pc:sldMk cId="3011729308" sldId="265"/>
+        </pc:sldMkLst>
+      </pc:sldChg>
+      <pc:sldChg chg="modSp mod">
+        <pc:chgData name="Simon Mitchell" userId="ccf6019c-927f-4068-bc63-8cf034289409" providerId="ADAL" clId="{39F00CB8-4F76-6D48-A718-B536F34EEAC0}" dt="2023-03-29T08:15:14.275" v="2" actId="20577"/>
+        <pc:sldMkLst>
+          <pc:docMk/>
+          <pc:sldMk cId="1369860436" sldId="266"/>
+        </pc:sldMkLst>
+        <pc:spChg chg="mod">
+          <ac:chgData name="Simon Mitchell" userId="ccf6019c-927f-4068-bc63-8cf034289409" providerId="ADAL" clId="{39F00CB8-4F76-6D48-A718-B536F34EEAC0}" dt="2023-03-29T08:15:14.275" v="2" actId="20577"/>
+          <ac:spMkLst>
+            <pc:docMk/>
+            <pc:sldMk cId="1369860436" sldId="266"/>
+            <ac:spMk id="3" creationId="{6B966F03-8D56-47C6-9347-6D7E73002C5B}"/>
+          </ac:spMkLst>
+        </pc:spChg>
+      </pc:sldChg>
+      <pc:sldChg chg="ord">
+        <pc:chgData name="Simon Mitchell" userId="ccf6019c-927f-4068-bc63-8cf034289409" providerId="ADAL" clId="{39F00CB8-4F76-6D48-A718-B536F34EEAC0}" dt="2023-03-29T08:14:46.863" v="0" actId="20578"/>
+        <pc:sldMkLst>
+          <pc:docMk/>
+          <pc:sldMk cId="2449798560" sldId="268"/>
+        </pc:sldMkLst>
+      </pc:sldChg>
+      <pc:sldChg chg="modSp mod">
+        <pc:chgData name="Simon Mitchell" userId="ccf6019c-927f-4068-bc63-8cf034289409" providerId="ADAL" clId="{39F00CB8-4F76-6D48-A718-B536F34EEAC0}" dt="2023-03-29T08:15:40.370" v="4" actId="20577"/>
+        <pc:sldMkLst>
+          <pc:docMk/>
+          <pc:sldMk cId="1011079285" sldId="272"/>
+        </pc:sldMkLst>
+        <pc:spChg chg="mod">
+          <ac:chgData name="Simon Mitchell" userId="ccf6019c-927f-4068-bc63-8cf034289409" providerId="ADAL" clId="{39F00CB8-4F76-6D48-A718-B536F34EEAC0}" dt="2023-03-29T08:15:40.370" v="4" actId="20577"/>
+          <ac:spMkLst>
+            <pc:docMk/>
+            <pc:sldMk cId="1011079285" sldId="272"/>
+            <ac:spMk id="3" creationId="{6B966F03-8D56-47C6-9347-6D7E73002C5B}"/>
+          </ac:spMkLst>
+        </pc:spChg>
+      </pc:sldChg>
+      <pc:sldChg chg="modSp mod">
+        <pc:chgData name="Simon Mitchell" userId="ccf6019c-927f-4068-bc63-8cf034289409" providerId="ADAL" clId="{39F00CB8-4F76-6D48-A718-B536F34EEAC0}" dt="2023-03-29T08:16:00.545" v="37" actId="20577"/>
+        <pc:sldMkLst>
+          <pc:docMk/>
+          <pc:sldMk cId="2247597629" sldId="276"/>
+        </pc:sldMkLst>
+        <pc:spChg chg="mod">
+          <ac:chgData name="Simon Mitchell" userId="ccf6019c-927f-4068-bc63-8cf034289409" providerId="ADAL" clId="{39F00CB8-4F76-6D48-A718-B536F34EEAC0}" dt="2023-03-29T08:16:00.545" v="37" actId="20577"/>
+          <ac:spMkLst>
+            <pc:docMk/>
+            <pc:sldMk cId="2247597629" sldId="276"/>
+            <ac:spMk id="31" creationId="{03B1E3D5-3F7C-EB0E-DC85-43DFEF0E2936}"/>
           </ac:spMkLst>
         </pc:spChg>
       </pc:sldChg>
@@ -1317,7 +1385,7 @@
           <a:p>
             <a:fld id="{A1DE5427-BB1E-AB42-B83E-50C99CC17C1A}" type="datetimeFigureOut">
               <a:rPr lang="en-GB" smtClean="0"/>
-              <a:t>20/03/2023</a:t>
+              <a:t>29/03/2023</a:t>
             </a:fld>
             <a:endParaRPr lang="en-GB"/>
           </a:p>
@@ -1906,7 +1974,7 @@
           <a:p>
             <a:fld id="{F2180424-BE10-1649-8706-B4049F0BE684}" type="slidenum">
               <a:rPr lang="en-GB" smtClean="0"/>
-              <a:t>6</a:t>
+              <a:t>4</a:t>
             </a:fld>
             <a:endParaRPr lang="en-GB"/>
           </a:p>
@@ -1990,7 +2058,7 @@
           <a:p>
             <a:fld id="{F2180424-BE10-1649-8706-B4049F0BE684}" type="slidenum">
               <a:rPr lang="en-GB" smtClean="0"/>
-              <a:t>7</a:t>
+              <a:t>5</a:t>
             </a:fld>
             <a:endParaRPr lang="en-GB"/>
           </a:p>
@@ -4641,7 +4709,7 @@
             </a:pPr>
             <a:r>
               <a:rPr lang="en-GB" dirty="0"/>
-              <a:t>7-minute presentations - present one modelling result.</a:t>
+              <a:t>6-minute presentations - present one modelling result.</a:t>
             </a:r>
           </a:p>
           <a:p>
@@ -5889,12 +5957,8 @@
             <a:lstStyle/>
             <a:p>
               <a:r>
-                <a:rPr lang="en-GB" dirty="0" err="1"/>
-                <a:t>Revovery</a:t>
-              </a:r>
-              <a:r>
                 <a:rPr lang="en-GB" dirty="0"/>
-                <a:t> rate * infected people</a:t>
+                <a:t>Recovery rate * infected people</a:t>
               </a:r>
             </a:p>
           </p:txBody>
@@ -5984,9 +6048,18 @@
             <a:lstStyle/>
             <a:p>
               <a:r>
+                <a:rPr lang="en-GB" sz="3200" dirty="0" err="1"/>
+                <a:t>www.Mitchell.science</a:t>
+              </a:r>
+              <a:r>
                 <a:rPr lang="en-GB" sz="3200" dirty="0"/>
-                <a:t>http://139.184.170.218:9001</a:t>
+                <a:t>/</a:t>
               </a:r>
+              <a:r>
+                <a:rPr lang="en-GB" sz="3200" dirty="0" err="1"/>
+                <a:t>ssc</a:t>
+              </a:r>
+              <a:endParaRPr lang="en-GB" sz="3200" dirty="0"/>
             </a:p>
           </p:txBody>
         </p:sp>
@@ -9334,381 +9407,6 @@
           <p:cNvPr id="2" name="Title 1">
             <a:extLst>
               <a:ext uri="{FF2B5EF4-FFF2-40B4-BE49-F238E27FC236}">
-                <a16:creationId xmlns:a16="http://schemas.microsoft.com/office/drawing/2014/main" id="{328FE895-5EE5-454F-91EA-C6AA7B2170B5}"/>
-              </a:ext>
-            </a:extLst>
-          </p:cNvPr>
-          <p:cNvSpPr>
-            <a:spLocks noGrp="1"/>
-          </p:cNvSpPr>
-          <p:nvPr>
-            <p:ph type="title"/>
-          </p:nvPr>
-        </p:nvSpPr>
-        <p:spPr/>
-        <p:txBody>
-          <a:bodyPr/>
-          <a:lstStyle/>
-          <a:p>
-            <a:r>
-              <a:rPr lang="en-GB" dirty="0"/>
-              <a:t>Why Modelling?</a:t>
-            </a:r>
-          </a:p>
-        </p:txBody>
-      </p:sp>
-      <p:sp>
-        <p:nvSpPr>
-          <p:cNvPr id="3" name="Content Placeholder 2">
-            <a:extLst>
-              <a:ext uri="{FF2B5EF4-FFF2-40B4-BE49-F238E27FC236}">
-                <a16:creationId xmlns:a16="http://schemas.microsoft.com/office/drawing/2014/main" id="{79545989-A1C4-D841-A1A3-C3A70D104DEE}"/>
-              </a:ext>
-            </a:extLst>
-          </p:cNvPr>
-          <p:cNvSpPr>
-            <a:spLocks noGrp="1"/>
-          </p:cNvSpPr>
-          <p:nvPr>
-            <p:ph sz="half" idx="1"/>
-          </p:nvPr>
-        </p:nvSpPr>
-        <p:spPr/>
-        <p:txBody>
-          <a:bodyPr/>
-          <a:lstStyle/>
-          <a:p>
-            <a:pPr marL="342900" indent="-342900">
-              <a:buFont typeface="Arial" panose="020B0604020202020204" pitchFamily="34" charset="0"/>
-              <a:buChar char="•"/>
-            </a:pPr>
-            <a:r>
-              <a:rPr lang="en-GB" dirty="0"/>
-              <a:t>Timely!</a:t>
-            </a:r>
-          </a:p>
-          <a:p>
-            <a:pPr marL="342900" indent="-342900">
-              <a:buFont typeface="Arial" panose="020B0604020202020204" pitchFamily="34" charset="0"/>
-              <a:buChar char="•"/>
-            </a:pPr>
-            <a:r>
-              <a:rPr lang="en-GB" dirty="0"/>
-              <a:t>Key to all aspects of medicine.</a:t>
-            </a:r>
-          </a:p>
-          <a:p>
-            <a:pPr marL="800100" lvl="1" indent="-342900">
-              <a:buFont typeface="Arial" panose="020B0604020202020204" pitchFamily="34" charset="0"/>
-              <a:buChar char="•"/>
-            </a:pPr>
-            <a:r>
-              <a:rPr lang="en-GB" dirty="0"/>
-              <a:t>From drug discovery to public health</a:t>
-            </a:r>
-          </a:p>
-          <a:p>
-            <a:pPr marL="342900" indent="-342900">
-              <a:buFont typeface="Arial" panose="020B0604020202020204" pitchFamily="34" charset="0"/>
-              <a:buChar char="•"/>
-            </a:pPr>
-            <a:r>
-              <a:rPr lang="en-GB" dirty="0"/>
-              <a:t>The future of medicine?</a:t>
-            </a:r>
-          </a:p>
-          <a:p>
-            <a:pPr marL="800100" lvl="1" indent="-342900">
-              <a:buFont typeface="Arial" panose="020B0604020202020204" pitchFamily="34" charset="0"/>
-              <a:buChar char="•"/>
-            </a:pPr>
-            <a:r>
-              <a:rPr lang="en-GB" dirty="0"/>
-              <a:t>Personalised medicine</a:t>
-            </a:r>
-          </a:p>
-          <a:p>
-            <a:pPr marL="342900" indent="-342900">
-              <a:buFont typeface="Arial" panose="020B0604020202020204" pitchFamily="34" charset="0"/>
-              <a:buChar char="•"/>
-            </a:pPr>
-            <a:r>
-              <a:rPr lang="en-GB" dirty="0"/>
-              <a:t>Active research area</a:t>
-            </a:r>
-          </a:p>
-          <a:p>
-            <a:pPr marL="342900" indent="-342900">
-              <a:buFont typeface="Arial" panose="020B0604020202020204" pitchFamily="34" charset="0"/>
-              <a:buChar char="•"/>
-            </a:pPr>
-            <a:endParaRPr lang="en-GB" dirty="0"/>
-          </a:p>
-        </p:txBody>
-      </p:sp>
-      <p:pic>
-        <p:nvPicPr>
-          <p:cNvPr id="5" name="Content Placeholder 4" descr="A screenshot from the news where equations that represent pandemic modelling are shown, ">
-            <a:extLst>
-              <a:ext uri="{FF2B5EF4-FFF2-40B4-BE49-F238E27FC236}">
-                <a16:creationId xmlns:a16="http://schemas.microsoft.com/office/drawing/2014/main" id="{9876562F-2657-1E49-8FB7-8E86C0FAB991}"/>
-              </a:ext>
-            </a:extLst>
-          </p:cNvPr>
-          <p:cNvPicPr>
-            <a:picLocks noGrp="1" noChangeAspect="1"/>
-          </p:cNvPicPr>
-          <p:nvPr>
-            <p:ph sz="half" idx="2"/>
-          </p:nvPr>
-        </p:nvPicPr>
-        <p:blipFill>
-          <a:blip r:embed="rId2"/>
-          <a:stretch>
-            <a:fillRect/>
-          </a:stretch>
-        </p:blipFill>
-        <p:spPr>
-          <a:xfrm>
-            <a:off x="6172200" y="1860451"/>
-            <a:ext cx="5654675" cy="3695899"/>
-          </a:xfrm>
-          <a:prstGeom prst="rect">
-            <a:avLst/>
-          </a:prstGeom>
-        </p:spPr>
-      </p:pic>
-    </p:spTree>
-    <p:extLst>
-      <p:ext uri="{BB962C8B-B14F-4D97-AF65-F5344CB8AC3E}">
-        <p14:creationId xmlns:p14="http://schemas.microsoft.com/office/powerpoint/2010/main" val="3032851938"/>
-      </p:ext>
-    </p:extLst>
-  </p:cSld>
-  <p:clrMapOvr>
-    <a:masterClrMapping/>
-  </p:clrMapOvr>
-</p:sld>
-</file>
-
-<file path=ppt/slides/slide5.xml><?xml version="1.0" encoding="utf-8"?>
-<p:sld xmlns:a="http://schemas.openxmlformats.org/drawingml/2006/main" xmlns:r="http://schemas.openxmlformats.org/officeDocument/2006/relationships" xmlns:p="http://schemas.openxmlformats.org/presentationml/2006/main">
-  <p:cSld>
-    <p:spTree>
-      <p:nvGrpSpPr>
-        <p:cNvPr id="1" name=""/>
-        <p:cNvGrpSpPr/>
-        <p:nvPr/>
-      </p:nvGrpSpPr>
-      <p:grpSpPr>
-        <a:xfrm>
-          <a:off x="0" y="0"/>
-          <a:ext cx="0" cy="0"/>
-          <a:chOff x="0" y="0"/>
-          <a:chExt cx="0" cy="0"/>
-        </a:xfrm>
-      </p:grpSpPr>
-      <p:sp>
-        <p:nvSpPr>
-          <p:cNvPr id="2" name="Title 1">
-            <a:extLst>
-              <a:ext uri="{FF2B5EF4-FFF2-40B4-BE49-F238E27FC236}">
-                <a16:creationId xmlns:a16="http://schemas.microsoft.com/office/drawing/2014/main" id="{328FE895-5EE5-454F-91EA-C6AA7B2170B5}"/>
-              </a:ext>
-            </a:extLst>
-          </p:cNvPr>
-          <p:cNvSpPr>
-            <a:spLocks noGrp="1"/>
-          </p:cNvSpPr>
-          <p:nvPr>
-            <p:ph type="title"/>
-          </p:nvPr>
-        </p:nvSpPr>
-        <p:spPr/>
-        <p:txBody>
-          <a:bodyPr/>
-          <a:lstStyle/>
-          <a:p>
-            <a:r>
-              <a:rPr lang="en-GB" dirty="0"/>
-              <a:t>Why Modelling?</a:t>
-            </a:r>
-          </a:p>
-        </p:txBody>
-      </p:sp>
-      <p:sp>
-        <p:nvSpPr>
-          <p:cNvPr id="3" name="Content Placeholder 2">
-            <a:extLst>
-              <a:ext uri="{FF2B5EF4-FFF2-40B4-BE49-F238E27FC236}">
-                <a16:creationId xmlns:a16="http://schemas.microsoft.com/office/drawing/2014/main" id="{79545989-A1C4-D841-A1A3-C3A70D104DEE}"/>
-              </a:ext>
-            </a:extLst>
-          </p:cNvPr>
-          <p:cNvSpPr>
-            <a:spLocks noGrp="1"/>
-          </p:cNvSpPr>
-          <p:nvPr>
-            <p:ph sz="half" idx="1"/>
-          </p:nvPr>
-        </p:nvSpPr>
-        <p:spPr/>
-        <p:txBody>
-          <a:bodyPr/>
-          <a:lstStyle/>
-          <a:p>
-            <a:pPr marL="342900" indent="-342900">
-              <a:buFont typeface="Arial" panose="020B0604020202020204" pitchFamily="34" charset="0"/>
-              <a:buChar char="•"/>
-            </a:pPr>
-            <a:r>
-              <a:rPr lang="en-GB" dirty="0"/>
-              <a:t>Timely!</a:t>
-            </a:r>
-          </a:p>
-          <a:p>
-            <a:pPr marL="342900" indent="-342900">
-              <a:buFont typeface="Arial" panose="020B0604020202020204" pitchFamily="34" charset="0"/>
-              <a:buChar char="•"/>
-            </a:pPr>
-            <a:r>
-              <a:rPr lang="en-GB" dirty="0"/>
-              <a:t>Key to all aspects of medicine.</a:t>
-            </a:r>
-          </a:p>
-          <a:p>
-            <a:pPr marL="800100" lvl="1" indent="-342900">
-              <a:buFont typeface="Arial" panose="020B0604020202020204" pitchFamily="34" charset="0"/>
-              <a:buChar char="•"/>
-            </a:pPr>
-            <a:r>
-              <a:rPr lang="en-GB" dirty="0"/>
-              <a:t>From drug discovery to public health</a:t>
-            </a:r>
-          </a:p>
-          <a:p>
-            <a:pPr marL="342900" indent="-342900">
-              <a:buFont typeface="Arial" panose="020B0604020202020204" pitchFamily="34" charset="0"/>
-              <a:buChar char="•"/>
-            </a:pPr>
-            <a:r>
-              <a:rPr lang="en-GB" dirty="0"/>
-              <a:t>The future of medicine?</a:t>
-            </a:r>
-          </a:p>
-          <a:p>
-            <a:pPr marL="800100" lvl="1" indent="-342900">
-              <a:buFont typeface="Arial" panose="020B0604020202020204" pitchFamily="34" charset="0"/>
-              <a:buChar char="•"/>
-            </a:pPr>
-            <a:r>
-              <a:rPr lang="en-GB" dirty="0"/>
-              <a:t>Personalised medicine</a:t>
-            </a:r>
-          </a:p>
-          <a:p>
-            <a:pPr marL="342900" indent="-342900">
-              <a:buFont typeface="Arial" panose="020B0604020202020204" pitchFamily="34" charset="0"/>
-              <a:buChar char="•"/>
-            </a:pPr>
-            <a:r>
-              <a:rPr lang="en-GB" dirty="0"/>
-              <a:t>Active research area</a:t>
-            </a:r>
-          </a:p>
-          <a:p>
-            <a:pPr marL="342900" indent="-342900">
-              <a:buFont typeface="Arial" panose="020B0604020202020204" pitchFamily="34" charset="0"/>
-              <a:buChar char="•"/>
-            </a:pPr>
-            <a:r>
-              <a:rPr lang="en-GB" dirty="0"/>
-              <a:t>Quicker, cheaper, (more accurate!?) </a:t>
-            </a:r>
-            <a:br>
-              <a:rPr lang="en-GB" dirty="0"/>
-            </a:br>
-            <a:r>
-              <a:rPr lang="en-GB" dirty="0"/>
-              <a:t>than animal models.</a:t>
-            </a:r>
-          </a:p>
-          <a:p>
-            <a:pPr marL="342900" indent="-342900">
-              <a:buFont typeface="Arial" panose="020B0604020202020204" pitchFamily="34" charset="0"/>
-              <a:buChar char="•"/>
-            </a:pPr>
-            <a:endParaRPr lang="en-GB" dirty="0"/>
-          </a:p>
-        </p:txBody>
-      </p:sp>
-      <p:pic>
-        <p:nvPicPr>
-          <p:cNvPr id="7" name="Content Placeholder 6" descr="The front page of a Scientific American article that reads:&#10;&quot;Should Computer Simulations replace animal testing for heart drugs?&quot;">
-            <a:extLst>
-              <a:ext uri="{FF2B5EF4-FFF2-40B4-BE49-F238E27FC236}">
-                <a16:creationId xmlns:a16="http://schemas.microsoft.com/office/drawing/2014/main" id="{D85BF3C9-43C4-BF44-BC83-09BE6398CD61}"/>
-              </a:ext>
-            </a:extLst>
-          </p:cNvPr>
-          <p:cNvPicPr>
-            <a:picLocks noGrp="1" noChangeAspect="1"/>
-          </p:cNvPicPr>
-          <p:nvPr>
-            <p:ph sz="half" idx="2"/>
-          </p:nvPr>
-        </p:nvPicPr>
-        <p:blipFill>
-          <a:blip r:embed="rId2"/>
-          <a:stretch>
-            <a:fillRect/>
-          </a:stretch>
-        </p:blipFill>
-        <p:spPr>
-          <a:xfrm>
-            <a:off x="5449330" y="2030811"/>
-            <a:ext cx="6742670" cy="2796377"/>
-          </a:xfrm>
-          <a:prstGeom prst="rect">
-            <a:avLst/>
-          </a:prstGeom>
-        </p:spPr>
-      </p:pic>
-    </p:spTree>
-    <p:extLst>
-      <p:ext uri="{BB962C8B-B14F-4D97-AF65-F5344CB8AC3E}">
-        <p14:creationId xmlns:p14="http://schemas.microsoft.com/office/powerpoint/2010/main" val="2908626281"/>
-      </p:ext>
-    </p:extLst>
-  </p:cSld>
-  <p:clrMapOvr>
-    <a:masterClrMapping/>
-  </p:clrMapOvr>
-</p:sld>
-</file>
-
-<file path=ppt/slides/slide6.xml><?xml version="1.0" encoding="utf-8"?>
-<p:sld xmlns:a="http://schemas.openxmlformats.org/drawingml/2006/main" xmlns:r="http://schemas.openxmlformats.org/officeDocument/2006/relationships" xmlns:p="http://schemas.openxmlformats.org/presentationml/2006/main">
-  <p:cSld>
-    <p:spTree>
-      <p:nvGrpSpPr>
-        <p:cNvPr id="1" name=""/>
-        <p:cNvGrpSpPr/>
-        <p:nvPr/>
-      </p:nvGrpSpPr>
-      <p:grpSpPr>
-        <a:xfrm>
-          <a:off x="0" y="0"/>
-          <a:ext cx="0" cy="0"/>
-          <a:chOff x="0" y="0"/>
-          <a:chExt cx="0" cy="0"/>
-        </a:xfrm>
-      </p:grpSpPr>
-      <p:sp>
-        <p:nvSpPr>
-          <p:cNvPr id="2" name="Title 1">
-            <a:extLst>
-              <a:ext uri="{FF2B5EF4-FFF2-40B4-BE49-F238E27FC236}">
                 <a16:creationId xmlns:a16="http://schemas.microsoft.com/office/drawing/2014/main" id="{0C706352-C8BD-CC49-9F47-0C5FA44EBF1D}"/>
               </a:ext>
             </a:extLst>
@@ -10003,7 +9701,7 @@
 </p:sld>
 </file>
 
-<file path=ppt/slides/slide7.xml><?xml version="1.0" encoding="utf-8"?>
+<file path=ppt/slides/slide5.xml><?xml version="1.0" encoding="utf-8"?>
 <p:sld xmlns:a="http://schemas.openxmlformats.org/drawingml/2006/main" xmlns:r="http://schemas.openxmlformats.org/officeDocument/2006/relationships" xmlns:p="http://schemas.openxmlformats.org/presentationml/2006/main">
   <p:cSld>
     <p:spTree>
@@ -10508,6 +10206,381 @@
 </p:sld>
 </file>
 
+<file path=ppt/slides/slide6.xml><?xml version="1.0" encoding="utf-8"?>
+<p:sld xmlns:a="http://schemas.openxmlformats.org/drawingml/2006/main" xmlns:r="http://schemas.openxmlformats.org/officeDocument/2006/relationships" xmlns:p="http://schemas.openxmlformats.org/presentationml/2006/main">
+  <p:cSld>
+    <p:spTree>
+      <p:nvGrpSpPr>
+        <p:cNvPr id="1" name=""/>
+        <p:cNvGrpSpPr/>
+        <p:nvPr/>
+      </p:nvGrpSpPr>
+      <p:grpSpPr>
+        <a:xfrm>
+          <a:off x="0" y="0"/>
+          <a:ext cx="0" cy="0"/>
+          <a:chOff x="0" y="0"/>
+          <a:chExt cx="0" cy="0"/>
+        </a:xfrm>
+      </p:grpSpPr>
+      <p:sp>
+        <p:nvSpPr>
+          <p:cNvPr id="2" name="Title 1">
+            <a:extLst>
+              <a:ext uri="{FF2B5EF4-FFF2-40B4-BE49-F238E27FC236}">
+                <a16:creationId xmlns:a16="http://schemas.microsoft.com/office/drawing/2014/main" id="{328FE895-5EE5-454F-91EA-C6AA7B2170B5}"/>
+              </a:ext>
+            </a:extLst>
+          </p:cNvPr>
+          <p:cNvSpPr>
+            <a:spLocks noGrp="1"/>
+          </p:cNvSpPr>
+          <p:nvPr>
+            <p:ph type="title"/>
+          </p:nvPr>
+        </p:nvSpPr>
+        <p:spPr/>
+        <p:txBody>
+          <a:bodyPr/>
+          <a:lstStyle/>
+          <a:p>
+            <a:r>
+              <a:rPr lang="en-GB" dirty="0"/>
+              <a:t>Why Modelling?</a:t>
+            </a:r>
+          </a:p>
+        </p:txBody>
+      </p:sp>
+      <p:sp>
+        <p:nvSpPr>
+          <p:cNvPr id="3" name="Content Placeholder 2">
+            <a:extLst>
+              <a:ext uri="{FF2B5EF4-FFF2-40B4-BE49-F238E27FC236}">
+                <a16:creationId xmlns:a16="http://schemas.microsoft.com/office/drawing/2014/main" id="{79545989-A1C4-D841-A1A3-C3A70D104DEE}"/>
+              </a:ext>
+            </a:extLst>
+          </p:cNvPr>
+          <p:cNvSpPr>
+            <a:spLocks noGrp="1"/>
+          </p:cNvSpPr>
+          <p:nvPr>
+            <p:ph sz="half" idx="1"/>
+          </p:nvPr>
+        </p:nvSpPr>
+        <p:spPr/>
+        <p:txBody>
+          <a:bodyPr/>
+          <a:lstStyle/>
+          <a:p>
+            <a:pPr marL="342900" indent="-342900">
+              <a:buFont typeface="Arial" panose="020B0604020202020204" pitchFamily="34" charset="0"/>
+              <a:buChar char="•"/>
+            </a:pPr>
+            <a:r>
+              <a:rPr lang="en-GB" dirty="0"/>
+              <a:t>Timely!</a:t>
+            </a:r>
+          </a:p>
+          <a:p>
+            <a:pPr marL="342900" indent="-342900">
+              <a:buFont typeface="Arial" panose="020B0604020202020204" pitchFamily="34" charset="0"/>
+              <a:buChar char="•"/>
+            </a:pPr>
+            <a:r>
+              <a:rPr lang="en-GB" dirty="0"/>
+              <a:t>Key to all aspects of medicine.</a:t>
+            </a:r>
+          </a:p>
+          <a:p>
+            <a:pPr marL="800100" lvl="1" indent="-342900">
+              <a:buFont typeface="Arial" panose="020B0604020202020204" pitchFamily="34" charset="0"/>
+              <a:buChar char="•"/>
+            </a:pPr>
+            <a:r>
+              <a:rPr lang="en-GB" dirty="0"/>
+              <a:t>From drug discovery to public health</a:t>
+            </a:r>
+          </a:p>
+          <a:p>
+            <a:pPr marL="342900" indent="-342900">
+              <a:buFont typeface="Arial" panose="020B0604020202020204" pitchFamily="34" charset="0"/>
+              <a:buChar char="•"/>
+            </a:pPr>
+            <a:r>
+              <a:rPr lang="en-GB" dirty="0"/>
+              <a:t>The future of medicine?</a:t>
+            </a:r>
+          </a:p>
+          <a:p>
+            <a:pPr marL="800100" lvl="1" indent="-342900">
+              <a:buFont typeface="Arial" panose="020B0604020202020204" pitchFamily="34" charset="0"/>
+              <a:buChar char="•"/>
+            </a:pPr>
+            <a:r>
+              <a:rPr lang="en-GB" dirty="0"/>
+              <a:t>Personalised medicine</a:t>
+            </a:r>
+          </a:p>
+          <a:p>
+            <a:pPr marL="342900" indent="-342900">
+              <a:buFont typeface="Arial" panose="020B0604020202020204" pitchFamily="34" charset="0"/>
+              <a:buChar char="•"/>
+            </a:pPr>
+            <a:r>
+              <a:rPr lang="en-GB" dirty="0"/>
+              <a:t>Active research area</a:t>
+            </a:r>
+          </a:p>
+          <a:p>
+            <a:pPr marL="342900" indent="-342900">
+              <a:buFont typeface="Arial" panose="020B0604020202020204" pitchFamily="34" charset="0"/>
+              <a:buChar char="•"/>
+            </a:pPr>
+            <a:endParaRPr lang="en-GB" dirty="0"/>
+          </a:p>
+        </p:txBody>
+      </p:sp>
+      <p:pic>
+        <p:nvPicPr>
+          <p:cNvPr id="5" name="Content Placeholder 4" descr="A screenshot from the news where equations that represent pandemic modelling are shown, ">
+            <a:extLst>
+              <a:ext uri="{FF2B5EF4-FFF2-40B4-BE49-F238E27FC236}">
+                <a16:creationId xmlns:a16="http://schemas.microsoft.com/office/drawing/2014/main" id="{9876562F-2657-1E49-8FB7-8E86C0FAB991}"/>
+              </a:ext>
+            </a:extLst>
+          </p:cNvPr>
+          <p:cNvPicPr>
+            <a:picLocks noGrp="1" noChangeAspect="1"/>
+          </p:cNvPicPr>
+          <p:nvPr>
+            <p:ph sz="half" idx="2"/>
+          </p:nvPr>
+        </p:nvPicPr>
+        <p:blipFill>
+          <a:blip r:embed="rId2"/>
+          <a:stretch>
+            <a:fillRect/>
+          </a:stretch>
+        </p:blipFill>
+        <p:spPr>
+          <a:xfrm>
+            <a:off x="6172200" y="1860451"/>
+            <a:ext cx="5654675" cy="3695899"/>
+          </a:xfrm>
+          <a:prstGeom prst="rect">
+            <a:avLst/>
+          </a:prstGeom>
+        </p:spPr>
+      </p:pic>
+    </p:spTree>
+    <p:extLst>
+      <p:ext uri="{BB962C8B-B14F-4D97-AF65-F5344CB8AC3E}">
+        <p14:creationId xmlns:p14="http://schemas.microsoft.com/office/powerpoint/2010/main" val="3032851938"/>
+      </p:ext>
+    </p:extLst>
+  </p:cSld>
+  <p:clrMapOvr>
+    <a:masterClrMapping/>
+  </p:clrMapOvr>
+</p:sld>
+</file>
+
+<file path=ppt/slides/slide7.xml><?xml version="1.0" encoding="utf-8"?>
+<p:sld xmlns:a="http://schemas.openxmlformats.org/drawingml/2006/main" xmlns:r="http://schemas.openxmlformats.org/officeDocument/2006/relationships" xmlns:p="http://schemas.openxmlformats.org/presentationml/2006/main">
+  <p:cSld>
+    <p:spTree>
+      <p:nvGrpSpPr>
+        <p:cNvPr id="1" name=""/>
+        <p:cNvGrpSpPr/>
+        <p:nvPr/>
+      </p:nvGrpSpPr>
+      <p:grpSpPr>
+        <a:xfrm>
+          <a:off x="0" y="0"/>
+          <a:ext cx="0" cy="0"/>
+          <a:chOff x="0" y="0"/>
+          <a:chExt cx="0" cy="0"/>
+        </a:xfrm>
+      </p:grpSpPr>
+      <p:sp>
+        <p:nvSpPr>
+          <p:cNvPr id="2" name="Title 1">
+            <a:extLst>
+              <a:ext uri="{FF2B5EF4-FFF2-40B4-BE49-F238E27FC236}">
+                <a16:creationId xmlns:a16="http://schemas.microsoft.com/office/drawing/2014/main" id="{328FE895-5EE5-454F-91EA-C6AA7B2170B5}"/>
+              </a:ext>
+            </a:extLst>
+          </p:cNvPr>
+          <p:cNvSpPr>
+            <a:spLocks noGrp="1"/>
+          </p:cNvSpPr>
+          <p:nvPr>
+            <p:ph type="title"/>
+          </p:nvPr>
+        </p:nvSpPr>
+        <p:spPr/>
+        <p:txBody>
+          <a:bodyPr/>
+          <a:lstStyle/>
+          <a:p>
+            <a:r>
+              <a:rPr lang="en-GB" dirty="0"/>
+              <a:t>Why Modelling?</a:t>
+            </a:r>
+          </a:p>
+        </p:txBody>
+      </p:sp>
+      <p:sp>
+        <p:nvSpPr>
+          <p:cNvPr id="3" name="Content Placeholder 2">
+            <a:extLst>
+              <a:ext uri="{FF2B5EF4-FFF2-40B4-BE49-F238E27FC236}">
+                <a16:creationId xmlns:a16="http://schemas.microsoft.com/office/drawing/2014/main" id="{79545989-A1C4-D841-A1A3-C3A70D104DEE}"/>
+              </a:ext>
+            </a:extLst>
+          </p:cNvPr>
+          <p:cNvSpPr>
+            <a:spLocks noGrp="1"/>
+          </p:cNvSpPr>
+          <p:nvPr>
+            <p:ph sz="half" idx="1"/>
+          </p:nvPr>
+        </p:nvSpPr>
+        <p:spPr/>
+        <p:txBody>
+          <a:bodyPr/>
+          <a:lstStyle/>
+          <a:p>
+            <a:pPr marL="342900" indent="-342900">
+              <a:buFont typeface="Arial" panose="020B0604020202020204" pitchFamily="34" charset="0"/>
+              <a:buChar char="•"/>
+            </a:pPr>
+            <a:r>
+              <a:rPr lang="en-GB" dirty="0"/>
+              <a:t>Timely!</a:t>
+            </a:r>
+          </a:p>
+          <a:p>
+            <a:pPr marL="342900" indent="-342900">
+              <a:buFont typeface="Arial" panose="020B0604020202020204" pitchFamily="34" charset="0"/>
+              <a:buChar char="•"/>
+            </a:pPr>
+            <a:r>
+              <a:rPr lang="en-GB" dirty="0"/>
+              <a:t>Key to all aspects of medicine.</a:t>
+            </a:r>
+          </a:p>
+          <a:p>
+            <a:pPr marL="800100" lvl="1" indent="-342900">
+              <a:buFont typeface="Arial" panose="020B0604020202020204" pitchFamily="34" charset="0"/>
+              <a:buChar char="•"/>
+            </a:pPr>
+            <a:r>
+              <a:rPr lang="en-GB" dirty="0"/>
+              <a:t>From drug discovery to public health</a:t>
+            </a:r>
+          </a:p>
+          <a:p>
+            <a:pPr marL="342900" indent="-342900">
+              <a:buFont typeface="Arial" panose="020B0604020202020204" pitchFamily="34" charset="0"/>
+              <a:buChar char="•"/>
+            </a:pPr>
+            <a:r>
+              <a:rPr lang="en-GB" dirty="0"/>
+              <a:t>The future of medicine?</a:t>
+            </a:r>
+          </a:p>
+          <a:p>
+            <a:pPr marL="800100" lvl="1" indent="-342900">
+              <a:buFont typeface="Arial" panose="020B0604020202020204" pitchFamily="34" charset="0"/>
+              <a:buChar char="•"/>
+            </a:pPr>
+            <a:r>
+              <a:rPr lang="en-GB" dirty="0"/>
+              <a:t>Personalised medicine</a:t>
+            </a:r>
+          </a:p>
+          <a:p>
+            <a:pPr marL="342900" indent="-342900">
+              <a:buFont typeface="Arial" panose="020B0604020202020204" pitchFamily="34" charset="0"/>
+              <a:buChar char="•"/>
+            </a:pPr>
+            <a:r>
+              <a:rPr lang="en-GB" dirty="0"/>
+              <a:t>Active research area</a:t>
+            </a:r>
+          </a:p>
+          <a:p>
+            <a:pPr marL="342900" indent="-342900">
+              <a:buFont typeface="Arial" panose="020B0604020202020204" pitchFamily="34" charset="0"/>
+              <a:buChar char="•"/>
+            </a:pPr>
+            <a:r>
+              <a:rPr lang="en-GB" dirty="0"/>
+              <a:t>Quicker, cheaper, (more accurate!?) </a:t>
+            </a:r>
+            <a:br>
+              <a:rPr lang="en-GB" dirty="0"/>
+            </a:br>
+            <a:r>
+              <a:rPr lang="en-GB" dirty="0"/>
+              <a:t>than animal models.</a:t>
+            </a:r>
+          </a:p>
+          <a:p>
+            <a:pPr marL="342900" indent="-342900">
+              <a:buFont typeface="Arial" panose="020B0604020202020204" pitchFamily="34" charset="0"/>
+              <a:buChar char="•"/>
+            </a:pPr>
+            <a:endParaRPr lang="en-GB" dirty="0"/>
+          </a:p>
+        </p:txBody>
+      </p:sp>
+      <p:pic>
+        <p:nvPicPr>
+          <p:cNvPr id="7" name="Content Placeholder 6" descr="The front page of a Scientific American article that reads:&#10;&quot;Should Computer Simulations replace animal testing for heart drugs?&quot;">
+            <a:extLst>
+              <a:ext uri="{FF2B5EF4-FFF2-40B4-BE49-F238E27FC236}">
+                <a16:creationId xmlns:a16="http://schemas.microsoft.com/office/drawing/2014/main" id="{D85BF3C9-43C4-BF44-BC83-09BE6398CD61}"/>
+              </a:ext>
+            </a:extLst>
+          </p:cNvPr>
+          <p:cNvPicPr>
+            <a:picLocks noGrp="1" noChangeAspect="1"/>
+          </p:cNvPicPr>
+          <p:nvPr>
+            <p:ph sz="half" idx="2"/>
+          </p:nvPr>
+        </p:nvPicPr>
+        <p:blipFill>
+          <a:blip r:embed="rId2"/>
+          <a:stretch>
+            <a:fillRect/>
+          </a:stretch>
+        </p:blipFill>
+        <p:spPr>
+          <a:xfrm>
+            <a:off x="5449330" y="2030811"/>
+            <a:ext cx="6742670" cy="2796377"/>
+          </a:xfrm>
+          <a:prstGeom prst="rect">
+            <a:avLst/>
+          </a:prstGeom>
+        </p:spPr>
+      </p:pic>
+    </p:spTree>
+    <p:extLst>
+      <p:ext uri="{BB962C8B-B14F-4D97-AF65-F5344CB8AC3E}">
+        <p14:creationId xmlns:p14="http://schemas.microsoft.com/office/powerpoint/2010/main" val="2908626281"/>
+      </p:ext>
+    </p:extLst>
+  </p:cSld>
+  <p:clrMapOvr>
+    <a:masterClrMapping/>
+  </p:clrMapOvr>
+</p:sld>
+</file>
+
 <file path=ppt/slides/slide8.xml><?xml version="1.0" encoding="utf-8"?>
 <p:sld xmlns:a="http://schemas.openxmlformats.org/drawingml/2006/main" xmlns:r="http://schemas.openxmlformats.org/officeDocument/2006/relationships" xmlns:p="http://schemas.openxmlformats.org/presentationml/2006/main">
   <p:cSld>
@@ -10708,7 +10781,7 @@
             </a:pPr>
             <a:r>
               <a:rPr lang="en-GB" dirty="0"/>
-              <a:t>7-minute presentations - present one modelling result.</a:t>
+              <a:t>6-minute presentations - present one modelling result.</a:t>
             </a:r>
           </a:p>
           <a:p>
@@ -11527,12 +11600,21 @@
 </file>
 
 <file path=customXml/item1.xml><?xml version="1.0" encoding="utf-8"?>
+<?mso-contentType ?>
+<FormTemplates xmlns="http://schemas.microsoft.com/sharepoint/v3/contenttype/forms">
+  <Display>DocumentLibraryForm</Display>
+  <Edit>DocumentLibraryForm</Edit>
+  <New>DocumentLibraryForm</New>
+</FormTemplates>
+</file>
+
+<file path=customXml/item2.xml><?xml version="1.0" encoding="utf-8"?>
 <p:properties xmlns:p="http://schemas.microsoft.com/office/2006/metadata/properties" xmlns:xsi="http://www.w3.org/2001/XMLSchema-instance" xmlns:pc="http://schemas.microsoft.com/office/infopath/2007/PartnerControls">
   <documentManagement/>
 </p:properties>
 </file>
 
-<file path=customXml/item2.xml><?xml version="1.0" encoding="utf-8"?>
+<file path=customXml/item3.xml><?xml version="1.0" encoding="utf-8"?>
 <ct:contentTypeSchema xmlns:ct="http://schemas.microsoft.com/office/2006/metadata/contentType" xmlns:ma="http://schemas.microsoft.com/office/2006/metadata/properties/metaAttributes" ct:_="" ma:_="" ma:contentTypeName="Document" ma:contentTypeID="0x010100796314CD6BFA1D418807532729E508A7" ma:contentTypeVersion="11" ma:contentTypeDescription="Create a new document." ma:contentTypeScope="" ma:versionID="aecafcc52205bf896519f571f793a2b9">
   <xsd:schema xmlns:xsd="http://www.w3.org/2001/XMLSchema" xmlns:xs="http://www.w3.org/2001/XMLSchema" xmlns:p="http://schemas.microsoft.com/office/2006/metadata/properties" xmlns:ns2="d0cf7155-5292-499e-94b8-ceb291bf61f2" xmlns:ns3="4b675c51-347a-4eaa-9a55-7e0aca984822" targetNamespace="http://schemas.microsoft.com/office/2006/metadata/properties" ma:root="true" ma:fieldsID="45a7e907e539d530dce02ffe772ad185" ns2:_="" ns3:_="">
     <xsd:import namespace="d0cf7155-5292-499e-94b8-ceb291bf61f2"/>
@@ -11743,33 +11825,32 @@
 </ct:contentTypeSchema>
 </file>
 
-<file path=customXml/item3.xml><?xml version="1.0" encoding="utf-8"?>
-<?mso-contentType ?>
-<FormTemplates xmlns="http://schemas.microsoft.com/sharepoint/v3/contenttype/forms">
-  <Display>DocumentLibraryForm</Display>
-  <Edit>DocumentLibraryForm</Edit>
-  <New>DocumentLibraryForm</New>
-</FormTemplates>
-</file>
-
 <file path=customXml/itemProps1.xml><?xml version="1.0" encoding="utf-8"?>
-<ds:datastoreItem xmlns:ds="http://schemas.openxmlformats.org/officeDocument/2006/customXml" ds:itemID="{0D2FD8D5-C065-4D8A-ABEF-3FF392831CC5}">
+<ds:datastoreItem xmlns:ds="http://schemas.openxmlformats.org/officeDocument/2006/customXml" ds:itemID="{4591DFF0-32FE-4E37-A04B-CD659AF4E52B}">
   <ds:schemaRefs>
-    <ds:schemaRef ds:uri="http://schemas.microsoft.com/office/2006/metadata/properties"/>
-    <ds:schemaRef ds:uri="http://purl.org/dc/dcmitype/"/>
-    <ds:schemaRef ds:uri="http://schemas.microsoft.com/office/2006/documentManagement/types"/>
-    <ds:schemaRef ds:uri="http://www.w3.org/XML/1998/namespace"/>
-    <ds:schemaRef ds:uri="http://purl.org/dc/elements/1.1/"/>
-    <ds:schemaRef ds:uri="4b675c51-347a-4eaa-9a55-7e0aca984822"/>
-    <ds:schemaRef ds:uri="d0cf7155-5292-499e-94b8-ceb291bf61f2"/>
-    <ds:schemaRef ds:uri="http://schemas.microsoft.com/office/infopath/2007/PartnerControls"/>
-    <ds:schemaRef ds:uri="http://purl.org/dc/terms/"/>
-    <ds:schemaRef ds:uri="http://schemas.openxmlformats.org/package/2006/metadata/core-properties"/>
+    <ds:schemaRef ds:uri="http://schemas.microsoft.com/sharepoint/v3/contenttype/forms"/>
   </ds:schemaRefs>
 </ds:datastoreItem>
 </file>
 
 <file path=customXml/itemProps2.xml><?xml version="1.0" encoding="utf-8"?>
+<ds:datastoreItem xmlns:ds="http://schemas.openxmlformats.org/officeDocument/2006/customXml" ds:itemID="{0D2FD8D5-C065-4D8A-ABEF-3FF392831CC5}">
+  <ds:schemaRefs>
+    <ds:schemaRef ds:uri="http://schemas.microsoft.com/office/2006/metadata/properties"/>
+    <ds:schemaRef ds:uri="http://purl.org/dc/dcmitype/"/>
+    <ds:schemaRef ds:uri="http://purl.org/dc/elements/1.1/"/>
+    <ds:schemaRef ds:uri="4b675c51-347a-4eaa-9a55-7e0aca984822"/>
+    <ds:schemaRef ds:uri="http://schemas.microsoft.com/office/2006/documentManagement/types"/>
+    <ds:schemaRef ds:uri="http://purl.org/dc/terms/"/>
+    <ds:schemaRef ds:uri="http://www.w3.org/XML/1998/namespace"/>
+    <ds:schemaRef ds:uri="http://schemas.microsoft.com/office/infopath/2007/PartnerControls"/>
+    <ds:schemaRef ds:uri="http://schemas.openxmlformats.org/package/2006/metadata/core-properties"/>
+    <ds:schemaRef ds:uri="d0cf7155-5292-499e-94b8-ceb291bf61f2"/>
+  </ds:schemaRefs>
+</ds:datastoreItem>
+</file>
+
+<file path=customXml/itemProps3.xml><?xml version="1.0" encoding="utf-8"?>
 <ds:datastoreItem xmlns:ds="http://schemas.openxmlformats.org/officeDocument/2006/customXml" ds:itemID="{5EE27B24-E034-496A-A32B-E68EFC3B6BE5}">
   <ds:schemaRefs>
     <ds:schemaRef ds:uri="4b675c51-347a-4eaa-9a55-7e0aca984822"/>
@@ -11786,12 +11867,4 @@
     <ds:schemaRef ds:uri="http://www.w3.org/2001/XMLSchema"/>
   </ds:schemaRefs>
 </ds:datastoreItem>
-</file>
-
-<file path=customXml/itemProps3.xml><?xml version="1.0" encoding="utf-8"?>
-<ds:datastoreItem xmlns:ds="http://schemas.openxmlformats.org/officeDocument/2006/customXml" ds:itemID="{4591DFF0-32FE-4E37-A04B-CD659AF4E52B}">
-  <ds:schemaRefs>
-    <ds:schemaRef ds:uri="http://schemas.microsoft.com/sharepoint/v3/contenttype/forms"/>
-  </ds:schemaRefs>
-</ds:datastoreItem>
 </file>